--- a/Лекции/ИТиП 1 лек 6.pptx
+++ b/Лекции/ИТиП 1 лек 6.pptx
@@ -240,7 +240,7 @@
             <a:fld id="{AA2F9473-F066-431E-A6E8-1D478C995A6B}" type="datetimeFigureOut">
               <a:rPr lang="en-US" smtClean="0"/>
               <a:pPr/>
-              <a:t>5/1/2025</a:t>
+              <a:t>10/29/2025</a:t>
             </a:fld>
             <a:endParaRPr lang="en-US"/>
           </a:p>

--- a/Лекции/ИТиП 1 лек 6.pptx
+++ b/Лекции/ИТиП 1 лек 6.pptx
@@ -240,7 +240,7 @@
             <a:fld id="{AA2F9473-F066-431E-A6E8-1D478C995A6B}" type="datetimeFigureOut">
               <a:rPr lang="en-US" smtClean="0"/>
               <a:pPr/>
-              <a:t>10/29/2025</a:t>
+              <a:t>11/12/2025</a:t>
             </a:fld>
             <a:endParaRPr lang="en-US"/>
           </a:p>
@@ -3558,7 +3558,7 @@
           <p:cNvPr id="9" name="Номер слайда 3">
             <a:extLst>
               <a:ext uri="{FF2B5EF4-FFF2-40B4-BE49-F238E27FC236}">
-                <a16:creationId xmlns:a16="http://schemas.microsoft.com/office/drawing/2014/main" id="{3DF48714-7FE4-4364-BF9D-28B9C9E2979D}"/>
+                <a16:creationId xmlns:a16="http://schemas.microsoft.com/office/drawing/2014/main" xmlns="" id="{3DF48714-7FE4-4364-BF9D-28B9C9E2979D}"/>
               </a:ext>
             </a:extLst>
           </p:cNvPr>
@@ -3697,7 +3697,7 @@
           <p:cNvPr id="7" name="Номер слайда 3">
             <a:extLst>
               <a:ext uri="{FF2B5EF4-FFF2-40B4-BE49-F238E27FC236}">
-                <a16:creationId xmlns:a16="http://schemas.microsoft.com/office/drawing/2014/main" id="{3DF48714-7FE4-4364-BF9D-28B9C9E2979D}"/>
+                <a16:creationId xmlns:a16="http://schemas.microsoft.com/office/drawing/2014/main" xmlns="" id="{3DF48714-7FE4-4364-BF9D-28B9C9E2979D}"/>
               </a:ext>
             </a:extLst>
           </p:cNvPr>
@@ -3979,7 +3979,7 @@
           <p:cNvPr id="9" name="Номер слайда 3">
             <a:extLst>
               <a:ext uri="{FF2B5EF4-FFF2-40B4-BE49-F238E27FC236}">
-                <a16:creationId xmlns:a16="http://schemas.microsoft.com/office/drawing/2014/main" id="{3DF48714-7FE4-4364-BF9D-28B9C9E2979D}"/>
+                <a16:creationId xmlns:a16="http://schemas.microsoft.com/office/drawing/2014/main" xmlns="" id="{3DF48714-7FE4-4364-BF9D-28B9C9E2979D}"/>
               </a:ext>
             </a:extLst>
           </p:cNvPr>
@@ -4437,7 +4437,7 @@
           <p:cNvPr id="17" name="Заголовок 16">
             <a:extLst>
               <a:ext uri="{FF2B5EF4-FFF2-40B4-BE49-F238E27FC236}">
-                <a16:creationId xmlns:a16="http://schemas.microsoft.com/office/drawing/2014/main" id="{D630362D-1F09-46B4-9DE4-AEA483AC82FD}"/>
+                <a16:creationId xmlns:a16="http://schemas.microsoft.com/office/drawing/2014/main" xmlns="" id="{D630362D-1F09-46B4-9DE4-AEA483AC82FD}"/>
               </a:ext>
             </a:extLst>
           </p:cNvPr>
@@ -4653,7 +4653,7 @@
           <p:cNvPr id="12" name="TextBox 11">
             <a:extLst>
               <a:ext uri="{FF2B5EF4-FFF2-40B4-BE49-F238E27FC236}">
-                <a16:creationId xmlns:a16="http://schemas.microsoft.com/office/drawing/2014/main" id="{F7B00361-5492-4290-B470-295172C16526}"/>
+                <a16:creationId xmlns:a16="http://schemas.microsoft.com/office/drawing/2014/main" xmlns="" id="{F7B00361-5492-4290-B470-295172C16526}"/>
               </a:ext>
             </a:extLst>
           </p:cNvPr>
@@ -5740,7 +5740,7 @@
           <p:cNvPr id="7" name="Rectangle 28" descr="Светлый диагональный 2">
             <a:extLst>
               <a:ext uri="{FF2B5EF4-FFF2-40B4-BE49-F238E27FC236}">
-                <a16:creationId xmlns:a16="http://schemas.microsoft.com/office/drawing/2014/main" id="{BB3DD146-65A3-48E1-9F24-69A934AA0608}"/>
+                <a16:creationId xmlns:a16="http://schemas.microsoft.com/office/drawing/2014/main" xmlns="" id="{BB3DD146-65A3-48E1-9F24-69A934AA0608}"/>
               </a:ext>
             </a:extLst>
           </p:cNvPr>
@@ -5818,7 +5818,7 @@
           <p:cNvPr id="8" name="TextBox 7">
             <a:extLst>
               <a:ext uri="{FF2B5EF4-FFF2-40B4-BE49-F238E27FC236}">
-                <a16:creationId xmlns:a16="http://schemas.microsoft.com/office/drawing/2014/main" id="{F0AB4488-D912-4AAA-A613-2985EDFB547D}"/>
+                <a16:creationId xmlns:a16="http://schemas.microsoft.com/office/drawing/2014/main" xmlns="" id="{F0AB4488-D912-4AAA-A613-2985EDFB547D}"/>
               </a:ext>
             </a:extLst>
           </p:cNvPr>
@@ -6221,10 +6221,19 @@
                 </a:solidFill>
                 <a:latin typeface="Consolas" panose="020B0609020204030204" pitchFamily="49" charset="0"/>
               </a:rPr>
-              <a:t> i=</a:t>
-            </a:r>
-            <a:r>
-              <a:rPr lang="nn-NO" sz="2400" dirty="0">
+              <a:t> </a:t>
+            </a:r>
+            <a:r>
+              <a:rPr lang="nn-NO" sz="2400" dirty="0" smtClean="0">
+                <a:solidFill>
+                  <a:srgbClr val="000000"/>
+                </a:solidFill>
+                <a:latin typeface="Consolas" panose="020B0609020204030204" pitchFamily="49" charset="0"/>
+              </a:rPr>
+              <a:t>i = </a:t>
+            </a:r>
+            <a:r>
+              <a:rPr lang="nn-NO" sz="2400" dirty="0" smtClean="0">
                 <a:solidFill>
                   <a:srgbClr val="098658"/>
                 </a:solidFill>
@@ -6676,10 +6685,19 @@
                 </a:solidFill>
                 <a:latin typeface="Consolas" panose="020B0609020204030204" pitchFamily="49" charset="0"/>
               </a:rPr>
-              <a:t> j=</a:t>
-            </a:r>
-            <a:r>
-              <a:rPr lang="en-US" sz="2400" dirty="0">
+              <a:t> </a:t>
+            </a:r>
+            <a:r>
+              <a:rPr lang="en-US" sz="2400" dirty="0" smtClean="0">
+                <a:solidFill>
+                  <a:srgbClr val="000000"/>
+                </a:solidFill>
+                <a:latin typeface="Consolas" panose="020B0609020204030204" pitchFamily="49" charset="0"/>
+              </a:rPr>
+              <a:t>j = </a:t>
+            </a:r>
+            <a:r>
+              <a:rPr lang="en-US" sz="2400" dirty="0" smtClean="0">
                 <a:solidFill>
                   <a:srgbClr val="098658"/>
                 </a:solidFill>
@@ -6694,7 +6712,25 @@
                 </a:solidFill>
                 <a:latin typeface="Consolas" panose="020B0609020204030204" pitchFamily="49" charset="0"/>
               </a:rPr>
-              <a:t>; j&lt;n; j++)</a:t>
+              <a:t>; </a:t>
+            </a:r>
+            <a:r>
+              <a:rPr lang="en-US" sz="2400" dirty="0" smtClean="0">
+                <a:solidFill>
+                  <a:srgbClr val="000000"/>
+                </a:solidFill>
+                <a:latin typeface="Consolas" panose="020B0609020204030204" pitchFamily="49" charset="0"/>
+              </a:rPr>
+              <a:t>j &lt; n</a:t>
+            </a:r>
+            <a:r>
+              <a:rPr lang="en-US" sz="2400" dirty="0">
+                <a:solidFill>
+                  <a:srgbClr val="000000"/>
+                </a:solidFill>
+                <a:latin typeface="Consolas" panose="020B0609020204030204" pitchFamily="49" charset="0"/>
+              </a:rPr>
+              <a:t>; j++)</a:t>
             </a:r>
           </a:p>
           <a:p>
@@ -6963,8 +6999,8 @@
         </p:nvSpPr>
         <p:spPr>
           <a:xfrm>
-            <a:off x="5048250" y="673090"/>
-            <a:ext cx="7143750" cy="5262979"/>
+            <a:off x="5559136" y="673090"/>
+            <a:ext cx="6421583" cy="5632311"/>
           </a:xfrm>
           <a:prstGeom prst="rect">
             <a:avLst/>
@@ -6976,6 +7012,7 @@
           </a:bodyPr>
           <a:lstStyle/>
           <a:p>
+            <a:pPr algn="just"/>
             <a:r>
               <a:rPr lang="ru-RU" sz="2400" dirty="0">
                 <a:latin typeface="Bookman Old Style" panose="02050604050505020204" pitchFamily="18" charset="0"/>
@@ -6984,7 +7021,7 @@
             </a:r>
           </a:p>
           <a:p>
-            <a:pPr marL="342900" indent="-342900">
+            <a:pPr marL="342900" indent="-342900" algn="just">
               <a:buFont typeface="Arial" panose="020B0604020202020204" pitchFamily="34" charset="0"/>
               <a:buChar char="•"/>
             </a:pPr>
@@ -6996,7 +7033,7 @@
             </a:r>
           </a:p>
           <a:p>
-            <a:pPr marL="342900" indent="-342900">
+            <a:pPr marL="342900" indent="-342900" algn="just">
               <a:buFont typeface="Arial" panose="020B0604020202020204" pitchFamily="34" charset="0"/>
               <a:buChar char="•"/>
             </a:pPr>
@@ -7020,7 +7057,7 @@
             </a:r>
           </a:p>
           <a:p>
-            <a:pPr marL="342900" indent="-342900">
+            <a:pPr marL="342900" indent="-342900" algn="just">
               <a:buFont typeface="Arial" panose="020B0604020202020204" pitchFamily="34" charset="0"/>
               <a:buChar char="•"/>
             </a:pPr>
@@ -7032,11 +7069,13 @@
             </a:r>
           </a:p>
           <a:p>
+            <a:pPr algn="just"/>
             <a:endParaRPr lang="en-US" sz="2400" dirty="0" smtClean="0">
               <a:latin typeface="Bookman Old Style" panose="02050604050505020204" pitchFamily="18" charset="0"/>
             </a:endParaRPr>
           </a:p>
           <a:p>
+            <a:pPr algn="just"/>
             <a:r>
               <a:rPr lang="ru-RU" sz="2400" dirty="0" smtClean="0">
                 <a:latin typeface="Bookman Old Style" panose="02050604050505020204" pitchFamily="18" charset="0"/>
@@ -7057,7 +7096,7 @@
             </a:r>
           </a:p>
           <a:p>
-            <a:pPr marL="742950" lvl="1" indent="-285750">
+            <a:pPr marL="742950" lvl="1" indent="-285750" algn="just">
               <a:buFont typeface="Arial" panose="020B0604020202020204" pitchFamily="34" charset="0"/>
               <a:buChar char="•"/>
             </a:pPr>
@@ -7069,7 +7108,7 @@
             </a:r>
           </a:p>
           <a:p>
-            <a:pPr marL="742950" lvl="1" indent="-285750">
+            <a:pPr marL="742950" lvl="1" indent="-285750" algn="just">
               <a:buFont typeface="Arial" panose="020B0604020202020204" pitchFamily="34" charset="0"/>
               <a:buChar char="•"/>
             </a:pPr>
@@ -7081,7 +7120,7 @@
             </a:r>
           </a:p>
           <a:p>
-            <a:pPr marL="742950" lvl="1" indent="-285750">
+            <a:pPr marL="742950" lvl="1" indent="-285750" algn="just">
               <a:buFont typeface="Arial" panose="020B0604020202020204" pitchFamily="34" charset="0"/>
               <a:buChar char="•"/>
             </a:pPr>
@@ -7093,7 +7132,7 @@
             </a:r>
           </a:p>
           <a:p>
-            <a:pPr marL="742950" lvl="1" indent="-285750">
+            <a:pPr marL="742950" lvl="1" indent="-285750" algn="just">
               <a:buFont typeface="Arial" panose="020B0604020202020204" pitchFamily="34" charset="0"/>
               <a:buChar char="•"/>
             </a:pPr>
@@ -7107,7 +7146,36 @@
               <a:rPr lang="ru-RU" sz="2400" dirty="0">
                 <a:latin typeface="Bookman Old Style" panose="02050604050505020204" pitchFamily="18" charset="0"/>
               </a:rPr>
-              <a:t>++ выполнится n раз (++ это две элементарные операции)</a:t>
+              <a:t>++ выполнится n </a:t>
+            </a:r>
+            <a:r>
+              <a:rPr lang="ru-RU" sz="2400" dirty="0" smtClean="0">
+                <a:latin typeface="Bookman Old Style" panose="02050604050505020204" pitchFamily="18" charset="0"/>
+              </a:rPr>
+              <a:t>раз</a:t>
+            </a:r>
+            <a:r>
+              <a:rPr lang="en-US" sz="2400" dirty="0" smtClean="0">
+                <a:latin typeface="Bookman Old Style" panose="02050604050505020204" pitchFamily="18" charset="0"/>
+              </a:rPr>
+              <a:t/>
+            </a:r>
+            <a:br>
+              <a:rPr lang="en-US" sz="2400" dirty="0" smtClean="0">
+                <a:latin typeface="Bookman Old Style" panose="02050604050505020204" pitchFamily="18" charset="0"/>
+              </a:rPr>
+            </a:br>
+            <a:r>
+              <a:rPr lang="ru-RU" sz="2400" dirty="0" smtClean="0">
+                <a:latin typeface="Bookman Old Style" panose="02050604050505020204" pitchFamily="18" charset="0"/>
+              </a:rPr>
+              <a:t>(++ </a:t>
+            </a:r>
+            <a:r>
+              <a:rPr lang="ru-RU" sz="2400" dirty="0">
+                <a:latin typeface="Bookman Old Style" panose="02050604050505020204" pitchFamily="18" charset="0"/>
+              </a:rPr>
+              <a:t>это две элементарные операции)</a:t>
             </a:r>
             <a:endParaRPr lang="ru-RU" sz="2400" b="0" i="0" dirty="0">
               <a:effectLst/>
@@ -8574,7 +8642,7 @@
           <p:cNvPr id="23" name="Rectangle 28" descr="Светлый диагональный 2">
             <a:extLst>
               <a:ext uri="{FF2B5EF4-FFF2-40B4-BE49-F238E27FC236}">
-                <a16:creationId xmlns:a16="http://schemas.microsoft.com/office/drawing/2014/main" id="{1258AB28-D449-49A9-BC9F-A886C5854F73}"/>
+                <a16:creationId xmlns:a16="http://schemas.microsoft.com/office/drawing/2014/main" xmlns="" id="{1258AB28-D449-49A9-BC9F-A886C5854F73}"/>
               </a:ext>
             </a:extLst>
           </p:cNvPr>
@@ -8643,7 +8711,7 @@
           <p:cNvPr id="24" name="TextBox 23">
             <a:extLst>
               <a:ext uri="{FF2B5EF4-FFF2-40B4-BE49-F238E27FC236}">
-                <a16:creationId xmlns:a16="http://schemas.microsoft.com/office/drawing/2014/main" id="{77C4BDB6-33FD-4B97-96E3-B47A3CECF63E}"/>
+                <a16:creationId xmlns:a16="http://schemas.microsoft.com/office/drawing/2014/main" xmlns="" id="{77C4BDB6-33FD-4B97-96E3-B47A3CECF63E}"/>
               </a:ext>
             </a:extLst>
           </p:cNvPr>
@@ -8965,7 +9033,7 @@
           <p:cNvPr id="8" name="TextBox 7">
             <a:extLst>
               <a:ext uri="{FF2B5EF4-FFF2-40B4-BE49-F238E27FC236}">
-                <a16:creationId xmlns:a16="http://schemas.microsoft.com/office/drawing/2014/main" id="{F0AB4488-D912-4AAA-A613-2985EDFB547D}"/>
+                <a16:creationId xmlns:a16="http://schemas.microsoft.com/office/drawing/2014/main" xmlns="" id="{F0AB4488-D912-4AAA-A613-2985EDFB547D}"/>
               </a:ext>
             </a:extLst>
           </p:cNvPr>
@@ -9359,7 +9427,7 @@
           <p:cNvPr id="8" name="TextBox 7">
             <a:extLst>
               <a:ext uri="{FF2B5EF4-FFF2-40B4-BE49-F238E27FC236}">
-                <a16:creationId xmlns:a16="http://schemas.microsoft.com/office/drawing/2014/main" id="{F0AB4488-D912-4AAA-A613-2985EDFB547D}"/>
+                <a16:creationId xmlns:a16="http://schemas.microsoft.com/office/drawing/2014/main" xmlns="" id="{F0AB4488-D912-4AAA-A613-2985EDFB547D}"/>
               </a:ext>
             </a:extLst>
           </p:cNvPr>
@@ -9755,7 +9823,7 @@
           <p:cNvPr id="4" name="Рисунок 3">
             <a:extLst>
               <a:ext uri="{FF2B5EF4-FFF2-40B4-BE49-F238E27FC236}">
-                <a16:creationId xmlns:a16="http://schemas.microsoft.com/office/drawing/2014/main" id="{BF812F1D-119B-4710-A9EA-C5989C91D187}"/>
+                <a16:creationId xmlns:a16="http://schemas.microsoft.com/office/drawing/2014/main" xmlns="" id="{BF812F1D-119B-4710-A9EA-C5989C91D187}"/>
               </a:ext>
             </a:extLst>
           </p:cNvPr>
@@ -9785,7 +9853,7 @@
           <p:cNvPr id="13" name="TextBox 12">
             <a:extLst>
               <a:ext uri="{FF2B5EF4-FFF2-40B4-BE49-F238E27FC236}">
-                <a16:creationId xmlns:a16="http://schemas.microsoft.com/office/drawing/2014/main" id="{90E7331F-F70E-4819-A964-4DF6F7DEE568}"/>
+                <a16:creationId xmlns:a16="http://schemas.microsoft.com/office/drawing/2014/main" xmlns="" id="{90E7331F-F70E-4819-A964-4DF6F7DEE568}"/>
               </a:ext>
             </a:extLst>
           </p:cNvPr>
@@ -9834,7 +9902,7 @@
           <p:cNvPr id="16" name="TextBox 15">
             <a:extLst>
               <a:ext uri="{FF2B5EF4-FFF2-40B4-BE49-F238E27FC236}">
-                <a16:creationId xmlns:a16="http://schemas.microsoft.com/office/drawing/2014/main" id="{25227CD6-7EBF-4172-8EA7-2BDFCEEE8F57}"/>
+                <a16:creationId xmlns:a16="http://schemas.microsoft.com/office/drawing/2014/main" xmlns="" id="{25227CD6-7EBF-4172-8EA7-2BDFCEEE8F57}"/>
               </a:ext>
             </a:extLst>
           </p:cNvPr>
@@ -9883,7 +9951,7 @@
           <p:cNvPr id="17" name="TextBox 16">
             <a:extLst>
               <a:ext uri="{FF2B5EF4-FFF2-40B4-BE49-F238E27FC236}">
-                <a16:creationId xmlns:a16="http://schemas.microsoft.com/office/drawing/2014/main" id="{BC6EB0EC-E476-4AC6-8D92-DE3F785DB877}"/>
+                <a16:creationId xmlns:a16="http://schemas.microsoft.com/office/drawing/2014/main" xmlns="" id="{BC6EB0EC-E476-4AC6-8D92-DE3F785DB877}"/>
               </a:ext>
             </a:extLst>
           </p:cNvPr>
@@ -9932,7 +10000,7 @@
           <p:cNvPr id="18" name="TextBox 17">
             <a:extLst>
               <a:ext uri="{FF2B5EF4-FFF2-40B4-BE49-F238E27FC236}">
-                <a16:creationId xmlns:a16="http://schemas.microsoft.com/office/drawing/2014/main" id="{10F1195E-FE7D-40C0-8FF7-4FC6EFBFFB2C}"/>
+                <a16:creationId xmlns:a16="http://schemas.microsoft.com/office/drawing/2014/main" xmlns="" id="{10F1195E-FE7D-40C0-8FF7-4FC6EFBFFB2C}"/>
               </a:ext>
             </a:extLst>
           </p:cNvPr>
@@ -10001,7 +10069,7 @@
           <p:cNvPr id="19" name="TextBox 18">
             <a:extLst>
               <a:ext uri="{FF2B5EF4-FFF2-40B4-BE49-F238E27FC236}">
-                <a16:creationId xmlns:a16="http://schemas.microsoft.com/office/drawing/2014/main" id="{B07C1F24-B9EF-4185-9064-DA1FA1308064}"/>
+                <a16:creationId xmlns:a16="http://schemas.microsoft.com/office/drawing/2014/main" xmlns="" id="{B07C1F24-B9EF-4185-9064-DA1FA1308064}"/>
               </a:ext>
             </a:extLst>
           </p:cNvPr>
@@ -10050,7 +10118,7 @@
           <p:cNvPr id="20" name="TextBox 19">
             <a:extLst>
               <a:ext uri="{FF2B5EF4-FFF2-40B4-BE49-F238E27FC236}">
-                <a16:creationId xmlns:a16="http://schemas.microsoft.com/office/drawing/2014/main" id="{4B3D788B-44BB-4308-92B8-C92939E2C834}"/>
+                <a16:creationId xmlns:a16="http://schemas.microsoft.com/office/drawing/2014/main" xmlns="" id="{4B3D788B-44BB-4308-92B8-C92939E2C834}"/>
               </a:ext>
             </a:extLst>
           </p:cNvPr>
@@ -10444,7 +10512,7 @@
           <p:cNvPr id="14" name="Прямоугольник 13">
             <a:extLst>
               <a:ext uri="{FF2B5EF4-FFF2-40B4-BE49-F238E27FC236}">
-                <a16:creationId xmlns:a16="http://schemas.microsoft.com/office/drawing/2014/main" id="{B39FAD8A-D72C-485D-976F-2EF886D06657}"/>
+                <a16:creationId xmlns:a16="http://schemas.microsoft.com/office/drawing/2014/main" xmlns="" id="{B39FAD8A-D72C-485D-976F-2EF886D06657}"/>
               </a:ext>
             </a:extLst>
           </p:cNvPr>
@@ -10693,7 +10761,7 @@
           <p:cNvPr id="13" name="TextBox 12">
             <a:extLst>
               <a:ext uri="{FF2B5EF4-FFF2-40B4-BE49-F238E27FC236}">
-                <a16:creationId xmlns:a16="http://schemas.microsoft.com/office/drawing/2014/main" id="{FB438E15-9A8F-4CD5-8332-02E2F579A84C}"/>
+                <a16:creationId xmlns:a16="http://schemas.microsoft.com/office/drawing/2014/main" xmlns="" id="{FB438E15-9A8F-4CD5-8332-02E2F579A84C}"/>
               </a:ext>
             </a:extLst>
           </p:cNvPr>
@@ -11129,7 +11197,7 @@
           <p:cNvPr id="2052" name="Picture 4" descr="C# Stack with Examples - GeeksforGeeks">
             <a:extLst>
               <a:ext uri="{FF2B5EF4-FFF2-40B4-BE49-F238E27FC236}">
-                <a16:creationId xmlns:a16="http://schemas.microsoft.com/office/drawing/2014/main" id="{12D89CCE-66AD-4E76-B0F2-02EC5EDF9EFD}"/>
+                <a16:creationId xmlns:a16="http://schemas.microsoft.com/office/drawing/2014/main" xmlns="" id="{12D89CCE-66AD-4E76-B0F2-02EC5EDF9EFD}"/>
               </a:ext>
             </a:extLst>
           </p:cNvPr>
@@ -11176,7 +11244,7 @@
           <p:cNvPr id="10" name="Прямоугольник 9">
             <a:extLst>
               <a:ext uri="{FF2B5EF4-FFF2-40B4-BE49-F238E27FC236}">
-                <a16:creationId xmlns:a16="http://schemas.microsoft.com/office/drawing/2014/main" id="{7B9A6075-3C57-45F2-8B49-725530C20120}"/>
+                <a16:creationId xmlns:a16="http://schemas.microsoft.com/office/drawing/2014/main" xmlns="" id="{7B9A6075-3C57-45F2-8B49-725530C20120}"/>
               </a:ext>
             </a:extLst>
           </p:cNvPr>
@@ -11319,7 +11387,7 @@
           <p:cNvPr id="12" name="TextBox 11">
             <a:extLst>
               <a:ext uri="{FF2B5EF4-FFF2-40B4-BE49-F238E27FC236}">
-                <a16:creationId xmlns:a16="http://schemas.microsoft.com/office/drawing/2014/main" id="{BD19B906-5203-43ED-AE0F-279DD12732BC}"/>
+                <a16:creationId xmlns:a16="http://schemas.microsoft.com/office/drawing/2014/main" xmlns="" id="{BD19B906-5203-43ED-AE0F-279DD12732BC}"/>
               </a:ext>
             </a:extLst>
           </p:cNvPr>
@@ -11902,7 +11970,7 @@
           <p:cNvPr id="2052" name="Picture 4" descr="C# Stack with Examples - GeeksforGeeks">
             <a:extLst>
               <a:ext uri="{FF2B5EF4-FFF2-40B4-BE49-F238E27FC236}">
-                <a16:creationId xmlns:a16="http://schemas.microsoft.com/office/drawing/2014/main" id="{12D89CCE-66AD-4E76-B0F2-02EC5EDF9EFD}"/>
+                <a16:creationId xmlns:a16="http://schemas.microsoft.com/office/drawing/2014/main" xmlns="" id="{12D89CCE-66AD-4E76-B0F2-02EC5EDF9EFD}"/>
               </a:ext>
             </a:extLst>
           </p:cNvPr>
@@ -11949,7 +12017,7 @@
           <p:cNvPr id="14" name="Прямоугольник 13">
             <a:extLst>
               <a:ext uri="{FF2B5EF4-FFF2-40B4-BE49-F238E27FC236}">
-                <a16:creationId xmlns:a16="http://schemas.microsoft.com/office/drawing/2014/main" id="{B39FAD8A-D72C-485D-976F-2EF886D06657}"/>
+                <a16:creationId xmlns:a16="http://schemas.microsoft.com/office/drawing/2014/main" xmlns="" id="{B39FAD8A-D72C-485D-976F-2EF886D06657}"/>
               </a:ext>
             </a:extLst>
           </p:cNvPr>
@@ -12115,7 +12183,7 @@
           <p:cNvPr id="10" name="Прямоугольник 9">
             <a:extLst>
               <a:ext uri="{FF2B5EF4-FFF2-40B4-BE49-F238E27FC236}">
-                <a16:creationId xmlns:a16="http://schemas.microsoft.com/office/drawing/2014/main" id="{7B9A6075-3C57-45F2-8B49-725530C20120}"/>
+                <a16:creationId xmlns:a16="http://schemas.microsoft.com/office/drawing/2014/main" xmlns="" id="{7B9A6075-3C57-45F2-8B49-725530C20120}"/>
               </a:ext>
             </a:extLst>
           </p:cNvPr>
@@ -12217,7 +12285,7 @@
           <p:cNvPr id="4098" name="Picture 2" descr="C# Queue with Examples - GeeksforGeeks">
             <a:extLst>
               <a:ext uri="{FF2B5EF4-FFF2-40B4-BE49-F238E27FC236}">
-                <a16:creationId xmlns:a16="http://schemas.microsoft.com/office/drawing/2014/main" id="{88C7C84D-0F61-4305-96C2-EEBEFE48B4BB}"/>
+                <a16:creationId xmlns:a16="http://schemas.microsoft.com/office/drawing/2014/main" xmlns="" id="{88C7C84D-0F61-4305-96C2-EEBEFE48B4BB}"/>
               </a:ext>
             </a:extLst>
           </p:cNvPr>
@@ -12301,7 +12369,7 @@
           <p:cNvPr id="14" name="Прямоугольник 13">
             <a:extLst>
               <a:ext uri="{FF2B5EF4-FFF2-40B4-BE49-F238E27FC236}">
-                <a16:creationId xmlns:a16="http://schemas.microsoft.com/office/drawing/2014/main" id="{B39FAD8A-D72C-485D-976F-2EF886D06657}"/>
+                <a16:creationId xmlns:a16="http://schemas.microsoft.com/office/drawing/2014/main" xmlns="" id="{B39FAD8A-D72C-485D-976F-2EF886D06657}"/>
               </a:ext>
             </a:extLst>
           </p:cNvPr>
@@ -12420,7 +12488,7 @@
           <p:cNvPr id="12" name="TextBox 11">
             <a:extLst>
               <a:ext uri="{FF2B5EF4-FFF2-40B4-BE49-F238E27FC236}">
-                <a16:creationId xmlns:a16="http://schemas.microsoft.com/office/drawing/2014/main" id="{BD19B906-5203-43ED-AE0F-279DD12732BC}"/>
+                <a16:creationId xmlns:a16="http://schemas.microsoft.com/office/drawing/2014/main" xmlns="" id="{BD19B906-5203-43ED-AE0F-279DD12732BC}"/>
               </a:ext>
             </a:extLst>
           </p:cNvPr>
@@ -13049,7 +13117,7 @@
           <p:cNvPr id="4098" name="Picture 2" descr="C# Queue with Examples - GeeksforGeeks">
             <a:extLst>
               <a:ext uri="{FF2B5EF4-FFF2-40B4-BE49-F238E27FC236}">
-                <a16:creationId xmlns:a16="http://schemas.microsoft.com/office/drawing/2014/main" id="{88C7C84D-0F61-4305-96C2-EEBEFE48B4BB}"/>
+                <a16:creationId xmlns:a16="http://schemas.microsoft.com/office/drawing/2014/main" xmlns="" id="{88C7C84D-0F61-4305-96C2-EEBEFE48B4BB}"/>
               </a:ext>
             </a:extLst>
           </p:cNvPr>
@@ -13157,7 +13225,7 @@
           <p:cNvPr id="10" name="Прямоугольник 9">
             <a:extLst>
               <a:ext uri="{FF2B5EF4-FFF2-40B4-BE49-F238E27FC236}">
-                <a16:creationId xmlns:a16="http://schemas.microsoft.com/office/drawing/2014/main" id="{7B9A6075-3C57-45F2-8B49-725530C20120}"/>
+                <a16:creationId xmlns:a16="http://schemas.microsoft.com/office/drawing/2014/main" xmlns="" id="{7B9A6075-3C57-45F2-8B49-725530C20120}"/>
               </a:ext>
             </a:extLst>
           </p:cNvPr>
@@ -13266,7 +13334,7 @@
           <p:cNvPr id="6" name="Прямоугольник 5">
             <a:extLst>
               <a:ext uri="{FF2B5EF4-FFF2-40B4-BE49-F238E27FC236}">
-                <a16:creationId xmlns:a16="http://schemas.microsoft.com/office/drawing/2014/main" id="{B39FAD8A-D72C-485D-976F-2EF886D06657}"/>
+                <a16:creationId xmlns:a16="http://schemas.microsoft.com/office/drawing/2014/main" xmlns="" id="{B39FAD8A-D72C-485D-976F-2EF886D06657}"/>
               </a:ext>
             </a:extLst>
           </p:cNvPr>
@@ -13782,7 +13850,7 @@
           <p:cNvPr id="12" name="TextBox 11">
             <a:extLst>
               <a:ext uri="{FF2B5EF4-FFF2-40B4-BE49-F238E27FC236}">
-                <a16:creationId xmlns:a16="http://schemas.microsoft.com/office/drawing/2014/main" id="{BD19B906-5203-43ED-AE0F-279DD12732BC}"/>
+                <a16:creationId xmlns:a16="http://schemas.microsoft.com/office/drawing/2014/main" xmlns="" id="{BD19B906-5203-43ED-AE0F-279DD12732BC}"/>
               </a:ext>
             </a:extLst>
           </p:cNvPr>
@@ -14573,7 +14641,7 @@
           <p:cNvPr id="10" name="Прямоугольник 9">
             <a:extLst>
               <a:ext uri="{FF2B5EF4-FFF2-40B4-BE49-F238E27FC236}">
-                <a16:creationId xmlns:a16="http://schemas.microsoft.com/office/drawing/2014/main" id="{7B9A6075-3C57-45F2-8B49-725530C20120}"/>
+                <a16:creationId xmlns:a16="http://schemas.microsoft.com/office/drawing/2014/main" xmlns="" id="{7B9A6075-3C57-45F2-8B49-725530C20120}"/>
               </a:ext>
             </a:extLst>
           </p:cNvPr>
@@ -14745,7 +14813,7 @@
           <p:cNvPr id="14" name="Прямоугольник 13">
             <a:extLst>
               <a:ext uri="{FF2B5EF4-FFF2-40B4-BE49-F238E27FC236}">
-                <a16:creationId xmlns:a16="http://schemas.microsoft.com/office/drawing/2014/main" id="{B39FAD8A-D72C-485D-976F-2EF886D06657}"/>
+                <a16:creationId xmlns:a16="http://schemas.microsoft.com/office/drawing/2014/main" xmlns="" id="{B39FAD8A-D72C-485D-976F-2EF886D06657}"/>
               </a:ext>
             </a:extLst>
           </p:cNvPr>
@@ -14902,7 +14970,7 @@
           <p:cNvPr id="12" name="TextBox 11">
             <a:extLst>
               <a:ext uri="{FF2B5EF4-FFF2-40B4-BE49-F238E27FC236}">
-                <a16:creationId xmlns:a16="http://schemas.microsoft.com/office/drawing/2014/main" id="{BD19B906-5203-43ED-AE0F-279DD12732BC}"/>
+                <a16:creationId xmlns:a16="http://schemas.microsoft.com/office/drawing/2014/main" xmlns="" id="{BD19B906-5203-43ED-AE0F-279DD12732BC}"/>
               </a:ext>
             </a:extLst>
           </p:cNvPr>
@@ -16307,7 +16375,7 @@
           <p:cNvPr id="12" name="Прямая со стрелкой 11">
             <a:extLst>
               <a:ext uri="{FF2B5EF4-FFF2-40B4-BE49-F238E27FC236}">
-                <a16:creationId xmlns:a16="http://schemas.microsoft.com/office/drawing/2014/main" id="{A77419EE-67E1-4427-B3CF-1F8E2A5542DE}"/>
+                <a16:creationId xmlns:a16="http://schemas.microsoft.com/office/drawing/2014/main" xmlns="" id="{A77419EE-67E1-4427-B3CF-1F8E2A5542DE}"/>
               </a:ext>
             </a:extLst>
           </p:cNvPr>
@@ -16352,7 +16420,7 @@
           <p:cNvPr id="13" name="Прямоугольник 12">
             <a:extLst>
               <a:ext uri="{FF2B5EF4-FFF2-40B4-BE49-F238E27FC236}">
-                <a16:creationId xmlns:a16="http://schemas.microsoft.com/office/drawing/2014/main" id="{E89F4841-A32E-46D0-B56E-837AD63F9712}"/>
+                <a16:creationId xmlns:a16="http://schemas.microsoft.com/office/drawing/2014/main" xmlns="" id="{E89F4841-A32E-46D0-B56E-837AD63F9712}"/>
               </a:ext>
             </a:extLst>
           </p:cNvPr>
@@ -16409,7 +16477,7 @@
           <p:cNvPr id="14" name="Прямоугольник 13">
             <a:extLst>
               <a:ext uri="{FF2B5EF4-FFF2-40B4-BE49-F238E27FC236}">
-                <a16:creationId xmlns:a16="http://schemas.microsoft.com/office/drawing/2014/main" id="{CCAF371D-8414-49A2-954E-DB79EF536F72}"/>
+                <a16:creationId xmlns:a16="http://schemas.microsoft.com/office/drawing/2014/main" xmlns="" id="{CCAF371D-8414-49A2-954E-DB79EF536F72}"/>
               </a:ext>
             </a:extLst>
           </p:cNvPr>
@@ -16478,7 +16546,7 @@
           <p:cNvPr id="15" name="Прямая со стрелкой 14">
             <a:extLst>
               <a:ext uri="{FF2B5EF4-FFF2-40B4-BE49-F238E27FC236}">
-                <a16:creationId xmlns:a16="http://schemas.microsoft.com/office/drawing/2014/main" id="{B4BA09B5-8BEC-4854-9FB5-BAA10376267D}"/>
+                <a16:creationId xmlns:a16="http://schemas.microsoft.com/office/drawing/2014/main" xmlns="" id="{B4BA09B5-8BEC-4854-9FB5-BAA10376267D}"/>
               </a:ext>
             </a:extLst>
           </p:cNvPr>
@@ -16631,7 +16699,7 @@
           <p:cNvPr id="19" name="TextBox 18">
             <a:extLst>
               <a:ext uri="{FF2B5EF4-FFF2-40B4-BE49-F238E27FC236}">
-                <a16:creationId xmlns:a16="http://schemas.microsoft.com/office/drawing/2014/main" id="{42B6AC90-6141-4C9C-80C4-8CA13D08E8FA}"/>
+                <a16:creationId xmlns:a16="http://schemas.microsoft.com/office/drawing/2014/main" xmlns="" id="{42B6AC90-6141-4C9C-80C4-8CA13D08E8FA}"/>
               </a:ext>
             </a:extLst>
           </p:cNvPr>
@@ -17025,7 +17093,7 @@
           <p:cNvPr id="19" name="TextBox 18">
             <a:extLst>
               <a:ext uri="{FF2B5EF4-FFF2-40B4-BE49-F238E27FC236}">
-                <a16:creationId xmlns:a16="http://schemas.microsoft.com/office/drawing/2014/main" id="{42B6AC90-6141-4C9C-80C4-8CA13D08E8FA}"/>
+                <a16:creationId xmlns:a16="http://schemas.microsoft.com/office/drawing/2014/main" xmlns="" id="{42B6AC90-6141-4C9C-80C4-8CA13D08E8FA}"/>
               </a:ext>
             </a:extLst>
           </p:cNvPr>
